--- a/catapult_hls/catapult_FPGA_edge_detect.pptx
+++ b/catapult_hls/catapult_FPGA_edge_detect.pptx
@@ -30,12 +30,14 @@
     <p:sldId id="278" r:id="rId24"/>
     <p:sldId id="279" r:id="rId25"/>
     <p:sldId id="282" r:id="rId26"/>
-    <p:sldId id="283" r:id="rId27"/>
-    <p:sldId id="284" r:id="rId28"/>
-    <p:sldId id="285" r:id="rId29"/>
-    <p:sldId id="286" r:id="rId30"/>
-    <p:sldId id="287" r:id="rId31"/>
-    <p:sldId id="288" r:id="rId32"/>
+    <p:sldId id="284" r:id="rId27"/>
+    <p:sldId id="285" r:id="rId28"/>
+    <p:sldId id="283" r:id="rId29"/>
+    <p:sldId id="289" r:id="rId30"/>
+    <p:sldId id="290" r:id="rId31"/>
+    <p:sldId id="286" r:id="rId32"/>
+    <p:sldId id="287" r:id="rId33"/>
+    <p:sldId id="288" r:id="rId34"/>
   </p:sldIdLst>
   <p:sldSz cx="12192000" cy="6858000"/>
   <p:notesSz cx="6858000" cy="9144000"/>
@@ -164,15 +166,20 @@
             <p14:sldId id="278"/>
             <p14:sldId id="279"/>
             <p14:sldId id="282"/>
-            <p14:sldId id="283"/>
             <p14:sldId id="284"/>
             <p14:sldId id="285"/>
+            <p14:sldId id="283"/>
+            <p14:sldId id="289"/>
+            <p14:sldId id="290"/>
             <p14:sldId id="286"/>
             <p14:sldId id="287"/>
             <p14:sldId id="288"/>
           </p14:sldIdLst>
         </p14:section>
       </p14:sectionLst>
+    </p:ext>
+    <p:ext uri="{EFAFB233-063F-42B5-8137-9DF3F51BA10A}">
+      <p15:sldGuideLst xmlns:p15="http://schemas.microsoft.com/office/powerpoint/2012/main"/>
     </p:ext>
   </p:extLst>
 </p:presentation>
@@ -325,7 +332,7 @@
           <a:p>
             <a:fld id="{C0093D23-2C64-49EF-9CD0-0C0DBFC3948B}" type="datetimeFigureOut">
               <a:rPr lang="zh-TW" altLang="en-US" smtClean="0"/>
-              <a:t>2024/2/28</a:t>
+              <a:t>2024/3/1</a:t>
             </a:fld>
             <a:endParaRPr lang="zh-TW" altLang="en-US"/>
           </a:p>
@@ -523,7 +530,7 @@
           <a:p>
             <a:fld id="{C0093D23-2C64-49EF-9CD0-0C0DBFC3948B}" type="datetimeFigureOut">
               <a:rPr lang="zh-TW" altLang="en-US" smtClean="0"/>
-              <a:t>2024/2/28</a:t>
+              <a:t>2024/3/1</a:t>
             </a:fld>
             <a:endParaRPr lang="zh-TW" altLang="en-US"/>
           </a:p>
@@ -731,7 +738,7 @@
           <a:p>
             <a:fld id="{C0093D23-2C64-49EF-9CD0-0C0DBFC3948B}" type="datetimeFigureOut">
               <a:rPr lang="zh-TW" altLang="en-US" smtClean="0"/>
-              <a:t>2024/2/28</a:t>
+              <a:t>2024/3/1</a:t>
             </a:fld>
             <a:endParaRPr lang="zh-TW" altLang="en-US"/>
           </a:p>
@@ -929,7 +936,7 @@
           <a:p>
             <a:fld id="{C0093D23-2C64-49EF-9CD0-0C0DBFC3948B}" type="datetimeFigureOut">
               <a:rPr lang="zh-TW" altLang="en-US" smtClean="0"/>
-              <a:t>2024/2/28</a:t>
+              <a:t>2024/3/1</a:t>
             </a:fld>
             <a:endParaRPr lang="zh-TW" altLang="en-US"/>
           </a:p>
@@ -1204,7 +1211,7 @@
           <a:p>
             <a:fld id="{C0093D23-2C64-49EF-9CD0-0C0DBFC3948B}" type="datetimeFigureOut">
               <a:rPr lang="zh-TW" altLang="en-US" smtClean="0"/>
-              <a:t>2024/2/28</a:t>
+              <a:t>2024/3/1</a:t>
             </a:fld>
             <a:endParaRPr lang="zh-TW" altLang="en-US"/>
           </a:p>
@@ -1469,7 +1476,7 @@
           <a:p>
             <a:fld id="{C0093D23-2C64-49EF-9CD0-0C0DBFC3948B}" type="datetimeFigureOut">
               <a:rPr lang="zh-TW" altLang="en-US" smtClean="0"/>
-              <a:t>2024/2/28</a:t>
+              <a:t>2024/3/1</a:t>
             </a:fld>
             <a:endParaRPr lang="zh-TW" altLang="en-US"/>
           </a:p>
@@ -1881,7 +1888,7 @@
           <a:p>
             <a:fld id="{C0093D23-2C64-49EF-9CD0-0C0DBFC3948B}" type="datetimeFigureOut">
               <a:rPr lang="zh-TW" altLang="en-US" smtClean="0"/>
-              <a:t>2024/2/28</a:t>
+              <a:t>2024/3/1</a:t>
             </a:fld>
             <a:endParaRPr lang="zh-TW" altLang="en-US"/>
           </a:p>
@@ -2022,7 +2029,7 @@
           <a:p>
             <a:fld id="{C0093D23-2C64-49EF-9CD0-0C0DBFC3948B}" type="datetimeFigureOut">
               <a:rPr lang="zh-TW" altLang="en-US" smtClean="0"/>
-              <a:t>2024/2/28</a:t>
+              <a:t>2024/3/1</a:t>
             </a:fld>
             <a:endParaRPr lang="zh-TW" altLang="en-US"/>
           </a:p>
@@ -2135,7 +2142,7 @@
           <a:p>
             <a:fld id="{C0093D23-2C64-49EF-9CD0-0C0DBFC3948B}" type="datetimeFigureOut">
               <a:rPr lang="zh-TW" altLang="en-US" smtClean="0"/>
-              <a:t>2024/2/28</a:t>
+              <a:t>2024/3/1</a:t>
             </a:fld>
             <a:endParaRPr lang="zh-TW" altLang="en-US"/>
           </a:p>
@@ -2446,7 +2453,7 @@
           <a:p>
             <a:fld id="{C0093D23-2C64-49EF-9CD0-0C0DBFC3948B}" type="datetimeFigureOut">
               <a:rPr lang="zh-TW" altLang="en-US" smtClean="0"/>
-              <a:t>2024/2/28</a:t>
+              <a:t>2024/3/1</a:t>
             </a:fld>
             <a:endParaRPr lang="zh-TW" altLang="en-US"/>
           </a:p>
@@ -2734,7 +2741,7 @@
           <a:p>
             <a:fld id="{C0093D23-2C64-49EF-9CD0-0C0DBFC3948B}" type="datetimeFigureOut">
               <a:rPr lang="zh-TW" altLang="en-US" smtClean="0"/>
-              <a:t>2024/2/28</a:t>
+              <a:t>2024/3/1</a:t>
             </a:fld>
             <a:endParaRPr lang="zh-TW" altLang="en-US"/>
           </a:p>
@@ -2975,7 +2982,7 @@
           <a:p>
             <a:fld id="{C0093D23-2C64-49EF-9CD0-0C0DBFC3948B}" type="datetimeFigureOut">
               <a:rPr lang="zh-TW" altLang="en-US" smtClean="0"/>
-              <a:t>2024/2/28</a:t>
+              <a:t>2024/3/1</a:t>
             </a:fld>
             <a:endParaRPr lang="zh-TW" altLang="en-US"/>
           </a:p>
@@ -7258,7 +7265,7 @@
           <p:cNvPr id="2" name="標題 1">
             <a:extLst>
               <a:ext uri="{FF2B5EF4-FFF2-40B4-BE49-F238E27FC236}">
-                <a16:creationId xmlns:a16="http://schemas.microsoft.com/office/drawing/2014/main" id="{3D2B2F88-C708-4015-877E-59FBAE0CC6BF}"/>
+                <a16:creationId xmlns:a16="http://schemas.microsoft.com/office/drawing/2014/main" id="{C52650FF-2336-4499-8593-FD3BB469CC9D}"/>
               </a:ext>
             </a:extLst>
           </p:cNvPr>
@@ -7269,62 +7276,59 @@
             <p:ph type="title"/>
           </p:nvPr>
         </p:nvSpPr>
-        <p:spPr/>
+        <p:spPr>
+          <a:xfrm>
+            <a:off x="838200" y="317926"/>
+            <a:ext cx="10515600" cy="1325563"/>
+          </a:xfrm>
+        </p:spPr>
         <p:txBody>
           <a:bodyPr/>
           <a:lstStyle/>
           <a:p>
             <a:r>
               <a:rPr lang="en-US" altLang="zh-TW" b="1" dirty="0"/>
-              <a:t>Open </a:t>
-            </a:r>
-            <a:r>
-              <a:rPr lang="en-US" altLang="zh-TW" b="1" dirty="0" err="1"/>
-              <a:t>Vivado</a:t>
-            </a:r>
-            <a:endParaRPr lang="zh-TW" altLang="en-US" dirty="0"/>
-          </a:p>
-        </p:txBody>
-      </p:sp>
-      <p:sp>
-        <p:nvSpPr>
-          <p:cNvPr id="3" name="內容版面配置區 2">
-            <a:extLst>
-              <a:ext uri="{FF2B5EF4-FFF2-40B4-BE49-F238E27FC236}">
-                <a16:creationId xmlns:a16="http://schemas.microsoft.com/office/drawing/2014/main" id="{5ED64C76-987D-4184-BD35-EB11CD6C395C}"/>
-              </a:ext>
-            </a:extLst>
-          </p:cNvPr>
-          <p:cNvSpPr>
-            <a:spLocks noGrp="1"/>
-          </p:cNvSpPr>
+              <a:t>Change all of the directory in xv file</a:t>
+            </a:r>
+            <a:endParaRPr lang="zh-TW" altLang="en-US" b="1" dirty="0"/>
+          </a:p>
+        </p:txBody>
+      </p:sp>
+      <p:pic>
+        <p:nvPicPr>
+          <p:cNvPr id="4" name="內容版面配置區 3">
+            <a:extLst>
+              <a:ext uri="{FF2B5EF4-FFF2-40B4-BE49-F238E27FC236}">
+                <a16:creationId xmlns:a16="http://schemas.microsoft.com/office/drawing/2014/main" id="{1CAFEB16-4962-4169-948B-3EE4A25ED5CF}"/>
+              </a:ext>
+            </a:extLst>
+          </p:cNvPr>
+          <p:cNvPicPr>
+            <a:picLocks noGrp="1" noChangeAspect="1"/>
+          </p:cNvPicPr>
           <p:nvPr>
             <p:ph idx="1"/>
           </p:nvPr>
-        </p:nvSpPr>
-        <p:spPr/>
-        <p:txBody>
-          <a:bodyPr/>
-          <a:lstStyle/>
-          <a:p>
-            <a:r>
-              <a:rPr lang="en-US" altLang="zh-TW" dirty="0"/>
-              <a:t>Create a project with any board </a:t>
-            </a:r>
-          </a:p>
-          <a:p>
-            <a:r>
-              <a:rPr lang="en-US" altLang="zh-TW" dirty="0"/>
-              <a:t>after execute the command in xv file , it will generate the design of the board you choose in catapult</a:t>
-            </a:r>
-            <a:endParaRPr lang="zh-TW" altLang="en-US" dirty="0"/>
-          </a:p>
-        </p:txBody>
-      </p:sp>
+        </p:nvPicPr>
+        <p:blipFill rotWithShape="1">
+          <a:blip r:embed="rId2"/>
+          <a:srcRect l="629" t="2112"/>
+          <a:stretch/>
+        </p:blipFill>
+        <p:spPr>
+          <a:xfrm>
+            <a:off x="838200" y="2047565"/>
+            <a:ext cx="6432906" cy="2762869"/>
+          </a:xfrm>
+          <a:prstGeom prst="rect">
+            <a:avLst/>
+          </a:prstGeom>
+        </p:spPr>
+      </p:pic>
     </p:spTree>
     <p:extLst>
       <p:ext uri="{BB962C8B-B14F-4D97-AF65-F5344CB8AC3E}">
-        <p14:creationId xmlns:p14="http://schemas.microsoft.com/office/powerpoint/2010/main" val="2371258295"/>
+        <p14:creationId xmlns:p14="http://schemas.microsoft.com/office/powerpoint/2010/main" val="1628498933"/>
       </p:ext>
     </p:extLst>
   </p:cSld>
@@ -7356,7 +7360,7 @@
           <p:cNvPr id="2" name="標題 1">
             <a:extLst>
               <a:ext uri="{FF2B5EF4-FFF2-40B4-BE49-F238E27FC236}">
-                <a16:creationId xmlns:a16="http://schemas.microsoft.com/office/drawing/2014/main" id="{C52650FF-2336-4499-8593-FD3BB469CC9D}"/>
+                <a16:creationId xmlns:a16="http://schemas.microsoft.com/office/drawing/2014/main" id="{0128A889-B4C8-4AA9-BC5C-D930AF18EA52}"/>
               </a:ext>
             </a:extLst>
           </p:cNvPr>
@@ -7367,12 +7371,7 @@
             <p:ph type="title"/>
           </p:nvPr>
         </p:nvSpPr>
-        <p:spPr>
-          <a:xfrm>
-            <a:off x="838200" y="317926"/>
-            <a:ext cx="10515600" cy="1325563"/>
-          </a:xfrm>
-        </p:spPr>
+        <p:spPr/>
         <p:txBody>
           <a:bodyPr/>
           <a:lstStyle/>
@@ -7381,7 +7380,7 @@
               <a:rPr lang="en-US" altLang="zh-TW" b="1" dirty="0"/>
               <a:t>Change all of the directory in xv file</a:t>
             </a:r>
-            <a:endParaRPr lang="zh-TW" altLang="en-US" b="1" dirty="0"/>
+            <a:endParaRPr lang="zh-TW" altLang="en-US" dirty="0"/>
           </a:p>
         </p:txBody>
       </p:sp>
@@ -7390,7 +7389,7 @@
           <p:cNvPr id="4" name="內容版面配置區 3">
             <a:extLst>
               <a:ext uri="{FF2B5EF4-FFF2-40B4-BE49-F238E27FC236}">
-                <a16:creationId xmlns:a16="http://schemas.microsoft.com/office/drawing/2014/main" id="{1CAFEB16-4962-4169-948B-3EE4A25ED5CF}"/>
+                <a16:creationId xmlns:a16="http://schemas.microsoft.com/office/drawing/2014/main" id="{E2558B01-51C9-49F1-8924-A514A1068DA4}"/>
               </a:ext>
             </a:extLst>
           </p:cNvPr>
@@ -7401,15 +7400,16 @@
             <p:ph idx="1"/>
           </p:nvPr>
         </p:nvPicPr>
-        <p:blipFill rotWithShape="1">
+        <p:blipFill>
           <a:blip r:embed="rId2"/>
-          <a:srcRect l="629" t="2112"/>
-          <a:stretch/>
+          <a:stretch>
+            <a:fillRect/>
+          </a:stretch>
         </p:blipFill>
         <p:spPr>
           <a:xfrm>
-            <a:off x="838200" y="2047565"/>
-            <a:ext cx="6432906" cy="2762869"/>
+            <a:off x="2015398" y="1825625"/>
+            <a:ext cx="8161204" cy="4351338"/>
           </a:xfrm>
           <a:prstGeom prst="rect">
             <a:avLst/>
@@ -7419,7 +7419,7 @@
     </p:spTree>
     <p:extLst>
       <p:ext uri="{BB962C8B-B14F-4D97-AF65-F5344CB8AC3E}">
-        <p14:creationId xmlns:p14="http://schemas.microsoft.com/office/powerpoint/2010/main" val="1628498933"/>
+        <p14:creationId xmlns:p14="http://schemas.microsoft.com/office/powerpoint/2010/main" val="2652665350"/>
       </p:ext>
     </p:extLst>
   </p:cSld>
@@ -7451,7 +7451,7 @@
           <p:cNvPr id="2" name="標題 1">
             <a:extLst>
               <a:ext uri="{FF2B5EF4-FFF2-40B4-BE49-F238E27FC236}">
-                <a16:creationId xmlns:a16="http://schemas.microsoft.com/office/drawing/2014/main" id="{0128A889-B4C8-4AA9-BC5C-D930AF18EA52}"/>
+                <a16:creationId xmlns:a16="http://schemas.microsoft.com/office/drawing/2014/main" id="{3D2B2F88-C708-4015-877E-59FBAE0CC6BF}"/>
               </a:ext>
             </a:extLst>
           </p:cNvPr>
@@ -7469,48 +7469,76 @@
           <a:p>
             <a:r>
               <a:rPr lang="en-US" altLang="zh-TW" b="1" dirty="0"/>
-              <a:t>Change all of the directory in xv file</a:t>
+              <a:t>Synthesis by GUI</a:t>
             </a:r>
             <a:endParaRPr lang="zh-TW" altLang="en-US" dirty="0"/>
           </a:p>
         </p:txBody>
       </p:sp>
-      <p:pic>
-        <p:nvPicPr>
-          <p:cNvPr id="4" name="內容版面配置區 3">
-            <a:extLst>
-              <a:ext uri="{FF2B5EF4-FFF2-40B4-BE49-F238E27FC236}">
-                <a16:creationId xmlns:a16="http://schemas.microsoft.com/office/drawing/2014/main" id="{E2558B01-51C9-49F1-8924-A514A1068DA4}"/>
-              </a:ext>
-            </a:extLst>
-          </p:cNvPr>
-          <p:cNvPicPr>
-            <a:picLocks noGrp="1" noChangeAspect="1"/>
-          </p:cNvPicPr>
+      <p:sp>
+        <p:nvSpPr>
+          <p:cNvPr id="3" name="內容版面配置區 2">
+            <a:extLst>
+              <a:ext uri="{FF2B5EF4-FFF2-40B4-BE49-F238E27FC236}">
+                <a16:creationId xmlns:a16="http://schemas.microsoft.com/office/drawing/2014/main" id="{5ED64C76-987D-4184-BD35-EB11CD6C395C}"/>
+              </a:ext>
+            </a:extLst>
+          </p:cNvPr>
+          <p:cNvSpPr>
+            <a:spLocks noGrp="1"/>
+          </p:cNvSpPr>
           <p:nvPr>
             <p:ph idx="1"/>
           </p:nvPr>
-        </p:nvPicPr>
-        <p:blipFill>
-          <a:blip r:embed="rId2"/>
-          <a:stretch>
-            <a:fillRect/>
-          </a:stretch>
-        </p:blipFill>
-        <p:spPr>
-          <a:xfrm>
-            <a:off x="2015398" y="1825625"/>
-            <a:ext cx="8161204" cy="4351338"/>
-          </a:xfrm>
-          <a:prstGeom prst="rect">
-            <a:avLst/>
-          </a:prstGeom>
-        </p:spPr>
-      </p:pic>
+        </p:nvSpPr>
+        <p:spPr/>
+        <p:txBody>
+          <a:bodyPr/>
+          <a:lstStyle/>
+          <a:p>
+            <a:r>
+              <a:rPr lang="en-US" altLang="zh-TW" dirty="0"/>
+              <a:t>Open </a:t>
+            </a:r>
+            <a:r>
+              <a:rPr lang="en-US" altLang="zh-TW" dirty="0" err="1"/>
+              <a:t>Vivado</a:t>
+            </a:r>
+            <a:endParaRPr lang="en-US" altLang="zh-TW" dirty="0"/>
+          </a:p>
+          <a:p>
+            <a:r>
+              <a:rPr lang="en-US" altLang="zh-TW" dirty="0"/>
+              <a:t>Create a project with any board </a:t>
+            </a:r>
+          </a:p>
+          <a:p>
+            <a:r>
+              <a:rPr lang="en-US" altLang="zh-TW" dirty="0"/>
+              <a:t>Execute xv file, (or the command in xv file), in </a:t>
+            </a:r>
+            <a:r>
+              <a:rPr lang="en-US" altLang="zh-TW" dirty="0" err="1"/>
+              <a:t>tcl</a:t>
+            </a:r>
+            <a:r>
+              <a:rPr lang="en-US" altLang="zh-TW" dirty="0"/>
+              <a:t> console</a:t>
+            </a:r>
+          </a:p>
+          <a:p>
+            <a:r>
+              <a:rPr lang="en-US" altLang="zh-TW" dirty="0"/>
+              <a:t>It will generate the design of the board you choose in catapult</a:t>
+            </a:r>
+            <a:endParaRPr lang="zh-TW" altLang="en-US" dirty="0"/>
+          </a:p>
+        </p:txBody>
+      </p:sp>
     </p:spTree>
     <p:extLst>
       <p:ext uri="{BB962C8B-B14F-4D97-AF65-F5344CB8AC3E}">
-        <p14:creationId xmlns:p14="http://schemas.microsoft.com/office/powerpoint/2010/main" val="2652665350"/>
+        <p14:creationId xmlns:p14="http://schemas.microsoft.com/office/powerpoint/2010/main" val="2371258295"/>
       </p:ext>
     </p:extLst>
   </p:cSld>
@@ -7542,7 +7570,7 @@
           <p:cNvPr id="2" name="標題 1">
             <a:extLst>
               <a:ext uri="{FF2B5EF4-FFF2-40B4-BE49-F238E27FC236}">
-                <a16:creationId xmlns:a16="http://schemas.microsoft.com/office/drawing/2014/main" id="{FADF15F1-A3F0-4F98-A20A-CA6EA8276DBB}"/>
+                <a16:creationId xmlns:a16="http://schemas.microsoft.com/office/drawing/2014/main" id="{4EA4CA28-04E9-4334-90E3-AC29FFC0A023}"/>
               </a:ext>
             </a:extLst>
           </p:cNvPr>
@@ -7560,9 +7588,9 @@
           <a:p>
             <a:r>
               <a:rPr lang="en-US" altLang="zh-TW" b="1" dirty="0"/>
-              <a:t>Set up constraints</a:t>
-            </a:r>
-            <a:endParaRPr lang="zh-TW" altLang="en-US" b="1" dirty="0"/>
+              <a:t>Synthesis by Command Shell (Linux)</a:t>
+            </a:r>
+            <a:endParaRPr lang="zh-TW" altLang="en-US" dirty="0"/>
           </a:p>
         </p:txBody>
       </p:sp>
@@ -7571,7 +7599,7 @@
           <p:cNvPr id="3" name="內容版面配置區 2">
             <a:extLst>
               <a:ext uri="{FF2B5EF4-FFF2-40B4-BE49-F238E27FC236}">
-                <a16:creationId xmlns:a16="http://schemas.microsoft.com/office/drawing/2014/main" id="{3E0AE1BB-1086-4DEA-B25B-5E6AABFA4545}"/>
+                <a16:creationId xmlns:a16="http://schemas.microsoft.com/office/drawing/2014/main" id="{B4E5279D-0E16-449B-ACAF-94EC8B7D146A}"/>
               </a:ext>
             </a:extLst>
           </p:cNvPr>
@@ -7582,32 +7610,62 @@
             <p:ph idx="1"/>
           </p:nvPr>
         </p:nvSpPr>
-        <p:spPr/>
+        <p:spPr>
+          <a:xfrm>
+            <a:off x="838200" y="1852258"/>
+            <a:ext cx="10515600" cy="4351338"/>
+          </a:xfrm>
+        </p:spPr>
         <p:txBody>
           <a:bodyPr/>
           <a:lstStyle/>
           <a:p>
             <a:r>
               <a:rPr lang="en-US" altLang="zh-TW" dirty="0"/>
-              <a:t>Set up the </a:t>
+              <a:t>Create file named </a:t>
             </a:r>
             <a:r>
               <a:rPr lang="en-US" altLang="zh-TW" dirty="0" err="1"/>
-              <a:t>arst_n</a:t>
+              <a:t>run_vivado</a:t>
             </a:r>
             <a:r>
               <a:rPr lang="en-US" altLang="zh-TW" dirty="0"/>
-              <a:t> constraints</a:t>
+              <a:t>.</a:t>
+            </a:r>
+          </a:p>
+          <a:p>
+            <a:r>
+              <a:rPr lang="en-US" altLang="zh-TW" dirty="0"/>
+              <a:t>Specify the directory of xv file and source it by </a:t>
+            </a:r>
+            <a:r>
+              <a:rPr lang="en-US" altLang="zh-TW" dirty="0" err="1"/>
+              <a:t>vivado</a:t>
+            </a:r>
+            <a:r>
+              <a:rPr lang="en-US" altLang="zh-TW" dirty="0"/>
+              <a:t> command.</a:t>
+            </a:r>
+          </a:p>
+          <a:p>
+            <a:r>
+              <a:rPr lang="en-US" altLang="zh-TW" dirty="0"/>
+              <a:t>Then execute </a:t>
+            </a:r>
+            <a:r>
+              <a:rPr lang="en-US" altLang="zh-TW" dirty="0" err="1"/>
+              <a:t>run_vivado</a:t>
+            </a:r>
+            <a:r>
+              <a:rPr lang="en-US" altLang="zh-TW" dirty="0"/>
+              <a:t>.</a:t>
             </a:r>
           </a:p>
           <a:p>
             <a:endParaRPr lang="en-US" altLang="zh-TW" dirty="0"/>
           </a:p>
           <a:p>
-            <a:r>
-              <a:rPr lang="en-US" altLang="zh-TW" dirty="0"/>
-              <a:t>Open synthesis design, and choose I/O planning for set up constraints</a:t>
-            </a:r>
+            <a:endParaRPr lang="en-US" altLang="zh-TW" dirty="0"/>
           </a:p>
           <a:p>
             <a:endParaRPr lang="zh-TW" altLang="en-US" dirty="0"/>
@@ -7616,10 +7674,10 @@
       </p:sp>
       <p:pic>
         <p:nvPicPr>
-          <p:cNvPr id="5" name="圖片 4">
-            <a:extLst>
-              <a:ext uri="{FF2B5EF4-FFF2-40B4-BE49-F238E27FC236}">
-                <a16:creationId xmlns:a16="http://schemas.microsoft.com/office/drawing/2014/main" id="{91CA740A-6399-4636-8033-476B5BE24118}"/>
+          <p:cNvPr id="4" name="圖片 3">
+            <a:extLst>
+              <a:ext uri="{FF2B5EF4-FFF2-40B4-BE49-F238E27FC236}">
+                <a16:creationId xmlns:a16="http://schemas.microsoft.com/office/drawing/2014/main" id="{DFDD417C-9825-4D22-A58F-A8BD29C33BBB}"/>
               </a:ext>
             </a:extLst>
           </p:cNvPr>
@@ -7636,8 +7694,8 @@
         </p:blipFill>
         <p:spPr>
           <a:xfrm>
-            <a:off x="3357180" y="2375171"/>
-            <a:ext cx="5477639" cy="314369"/>
+            <a:off x="838200" y="4236408"/>
+            <a:ext cx="1038370" cy="962159"/>
           </a:xfrm>
           <a:prstGeom prst="rect">
             <a:avLst/>
@@ -7646,10 +7704,10 @@
       </p:pic>
       <p:pic>
         <p:nvPicPr>
-          <p:cNvPr id="7" name="圖片 6">
-            <a:extLst>
-              <a:ext uri="{FF2B5EF4-FFF2-40B4-BE49-F238E27FC236}">
-                <a16:creationId xmlns:a16="http://schemas.microsoft.com/office/drawing/2014/main" id="{FAAF0C6F-E8EF-469A-B453-15ABD94D48EA}"/>
+          <p:cNvPr id="5" name="圖片 4">
+            <a:extLst>
+              <a:ext uri="{FF2B5EF4-FFF2-40B4-BE49-F238E27FC236}">
+                <a16:creationId xmlns:a16="http://schemas.microsoft.com/office/drawing/2014/main" id="{E1CAFD67-A5F5-4578-9F6A-7AD5EEE9CCDC}"/>
               </a:ext>
             </a:extLst>
           </p:cNvPr>
@@ -7666,72 +7724,20 @@
         </p:blipFill>
         <p:spPr>
           <a:xfrm>
-            <a:off x="2276991" y="3280959"/>
-            <a:ext cx="2524477" cy="2896004"/>
+            <a:off x="1876570" y="3429000"/>
+            <a:ext cx="4591691" cy="2972215"/>
           </a:xfrm>
           <a:prstGeom prst="rect">
             <a:avLst/>
           </a:prstGeom>
         </p:spPr>
       </p:pic>
-      <p:sp>
-        <p:nvSpPr>
-          <p:cNvPr id="9" name="矩形 8">
-            <a:extLst>
-              <a:ext uri="{FF2B5EF4-FFF2-40B4-BE49-F238E27FC236}">
-                <a16:creationId xmlns:a16="http://schemas.microsoft.com/office/drawing/2014/main" id="{0F467A34-AE3F-448A-B47A-12879BC4C29B}"/>
-              </a:ext>
-            </a:extLst>
-          </p:cNvPr>
-          <p:cNvSpPr/>
-          <p:nvPr/>
-        </p:nvSpPr>
-        <p:spPr>
-          <a:xfrm>
-            <a:off x="2467992" y="3834946"/>
-            <a:ext cx="2198701" cy="239904"/>
-          </a:xfrm>
-          <a:prstGeom prst="rect">
-            <a:avLst/>
-          </a:prstGeom>
-          <a:noFill/>
-          <a:ln w="28575">
-            <a:solidFill>
-              <a:srgbClr val="FF0000"/>
-            </a:solidFill>
-          </a:ln>
-        </p:spPr>
-        <p:style>
-          <a:lnRef idx="2">
-            <a:schemeClr val="accent1">
-              <a:shade val="50000"/>
-            </a:schemeClr>
-          </a:lnRef>
-          <a:fillRef idx="1">
-            <a:schemeClr val="accent1"/>
-          </a:fillRef>
-          <a:effectRef idx="0">
-            <a:schemeClr val="accent1"/>
-          </a:effectRef>
-          <a:fontRef idx="minor">
-            <a:schemeClr val="lt1"/>
-          </a:fontRef>
-        </p:style>
-        <p:txBody>
-          <a:bodyPr rtlCol="0" anchor="ctr"/>
-          <a:lstStyle/>
-          <a:p>
-            <a:pPr algn="ctr"/>
-            <a:endParaRPr lang="zh-TW" altLang="en-US" dirty="0"/>
-          </a:p>
-        </p:txBody>
-      </p:sp>
       <p:pic>
         <p:nvPicPr>
-          <p:cNvPr id="11" name="圖片 10">
-            <a:extLst>
-              <a:ext uri="{FF2B5EF4-FFF2-40B4-BE49-F238E27FC236}">
-                <a16:creationId xmlns:a16="http://schemas.microsoft.com/office/drawing/2014/main" id="{9EB3244A-C20D-4A5A-B6A9-0A7A5A796108}"/>
+          <p:cNvPr id="6" name="圖片 5">
+            <a:extLst>
+              <a:ext uri="{FF2B5EF4-FFF2-40B4-BE49-F238E27FC236}">
+                <a16:creationId xmlns:a16="http://schemas.microsoft.com/office/drawing/2014/main" id="{1F29A011-B990-45C4-A1D0-5797D605CB77}"/>
               </a:ext>
             </a:extLst>
           </p:cNvPr>
@@ -7740,78 +7746,25 @@
           </p:cNvPicPr>
           <p:nvPr/>
         </p:nvPicPr>
-        <p:blipFill>
+        <p:blipFill rotWithShape="1">
           <a:blip r:embed="rId4"/>
-          <a:stretch>
-            <a:fillRect/>
-          </a:stretch>
+          <a:srcRect b="43039"/>
+          <a:stretch/>
         </p:blipFill>
         <p:spPr>
           <a:xfrm>
-            <a:off x="5588607" y="3343868"/>
-            <a:ext cx="4029127" cy="3020412"/>
+            <a:off x="6510116" y="3803288"/>
+            <a:ext cx="4801829" cy="1828398"/>
           </a:xfrm>
           <a:prstGeom prst="rect">
             <a:avLst/>
           </a:prstGeom>
         </p:spPr>
       </p:pic>
-      <p:sp>
-        <p:nvSpPr>
-          <p:cNvPr id="13" name="矩形 12">
-            <a:extLst>
-              <a:ext uri="{FF2B5EF4-FFF2-40B4-BE49-F238E27FC236}">
-                <a16:creationId xmlns:a16="http://schemas.microsoft.com/office/drawing/2014/main" id="{17DA2F20-4B79-4996-BF30-200171E3894C}"/>
-              </a:ext>
-            </a:extLst>
-          </p:cNvPr>
-          <p:cNvSpPr/>
-          <p:nvPr/>
-        </p:nvSpPr>
-        <p:spPr>
-          <a:xfrm>
-            <a:off x="8469298" y="3834946"/>
-            <a:ext cx="1082578" cy="124495"/>
-          </a:xfrm>
-          <a:prstGeom prst="rect">
-            <a:avLst/>
-          </a:prstGeom>
-          <a:noFill/>
-          <a:ln w="28575">
-            <a:solidFill>
-              <a:srgbClr val="FF0000"/>
-            </a:solidFill>
-          </a:ln>
-        </p:spPr>
-        <p:style>
-          <a:lnRef idx="2">
-            <a:schemeClr val="accent1">
-              <a:shade val="50000"/>
-            </a:schemeClr>
-          </a:lnRef>
-          <a:fillRef idx="1">
-            <a:schemeClr val="accent1"/>
-          </a:fillRef>
-          <a:effectRef idx="0">
-            <a:schemeClr val="accent1"/>
-          </a:effectRef>
-          <a:fontRef idx="minor">
-            <a:schemeClr val="lt1"/>
-          </a:fontRef>
-        </p:style>
-        <p:txBody>
-          <a:bodyPr rtlCol="0" anchor="ctr"/>
-          <a:lstStyle/>
-          <a:p>
-            <a:pPr algn="ctr"/>
-            <a:endParaRPr lang="zh-TW" altLang="en-US" dirty="0"/>
-          </a:p>
-        </p:txBody>
-      </p:sp>
     </p:spTree>
     <p:extLst>
       <p:ext uri="{BB962C8B-B14F-4D97-AF65-F5344CB8AC3E}">
-        <p14:creationId xmlns:p14="http://schemas.microsoft.com/office/powerpoint/2010/main" val="4113133536"/>
+        <p14:creationId xmlns:p14="http://schemas.microsoft.com/office/powerpoint/2010/main" val="3497631080"/>
       </p:ext>
     </p:extLst>
   </p:cSld>
@@ -8120,6 +8073,412 @@
           <p:cNvPr id="2" name="標題 1">
             <a:extLst>
               <a:ext uri="{FF2B5EF4-FFF2-40B4-BE49-F238E27FC236}">
+                <a16:creationId xmlns:a16="http://schemas.microsoft.com/office/drawing/2014/main" id="{A44A8059-298A-4517-BCC0-25BD20B398AF}"/>
+              </a:ext>
+            </a:extLst>
+          </p:cNvPr>
+          <p:cNvSpPr>
+            <a:spLocks noGrp="1"/>
+          </p:cNvSpPr>
+          <p:nvPr>
+            <p:ph type="title"/>
+          </p:nvPr>
+        </p:nvSpPr>
+        <p:spPr/>
+        <p:txBody>
+          <a:bodyPr/>
+          <a:lstStyle/>
+          <a:p>
+            <a:r>
+              <a:rPr lang="en-US" altLang="zh-TW" b="1" dirty="0"/>
+              <a:t>For implement and bitstream (opt.)</a:t>
+            </a:r>
+            <a:endParaRPr lang="zh-TW" altLang="en-US" b="1" dirty="0"/>
+          </a:p>
+        </p:txBody>
+      </p:sp>
+      <p:sp>
+        <p:nvSpPr>
+          <p:cNvPr id="3" name="內容版面配置區 2">
+            <a:extLst>
+              <a:ext uri="{FF2B5EF4-FFF2-40B4-BE49-F238E27FC236}">
+                <a16:creationId xmlns:a16="http://schemas.microsoft.com/office/drawing/2014/main" id="{F9EC922A-81B5-4043-993D-91F0FB72E2B4}"/>
+              </a:ext>
+            </a:extLst>
+          </p:cNvPr>
+          <p:cNvSpPr>
+            <a:spLocks noGrp="1"/>
+          </p:cNvSpPr>
+          <p:nvPr>
+            <p:ph idx="1"/>
+          </p:nvPr>
+        </p:nvSpPr>
+        <p:spPr/>
+        <p:txBody>
+          <a:bodyPr/>
+          <a:lstStyle/>
+          <a:p>
+            <a:r>
+              <a:rPr lang="en-US" altLang="zh-TW" dirty="0"/>
+              <a:t>For implement and generate bitstream, you need specify the constraints.</a:t>
+            </a:r>
+          </a:p>
+          <a:p>
+            <a:r>
+              <a:rPr lang="en-US" altLang="zh-TW" dirty="0"/>
+              <a:t>You can specify the constraints on your own, or assigned by </a:t>
+            </a:r>
+            <a:r>
+              <a:rPr lang="en-US" altLang="zh-TW" dirty="0" err="1"/>
+              <a:t>vivado</a:t>
+            </a:r>
+            <a:endParaRPr lang="en-US" altLang="zh-TW" dirty="0"/>
+          </a:p>
+          <a:p>
+            <a:r>
+              <a:rPr lang="en-US" altLang="zh-TW" dirty="0"/>
+              <a:t>Note: If you change the design board, you need to make sure the timing is satisfied.</a:t>
+            </a:r>
+            <a:endParaRPr lang="zh-TW" altLang="en-US" dirty="0"/>
+          </a:p>
+        </p:txBody>
+      </p:sp>
+    </p:spTree>
+    <p:extLst>
+      <p:ext uri="{BB962C8B-B14F-4D97-AF65-F5344CB8AC3E}">
+        <p14:creationId xmlns:p14="http://schemas.microsoft.com/office/powerpoint/2010/main" val="170164796"/>
+      </p:ext>
+    </p:extLst>
+  </p:cSld>
+  <p:clrMapOvr>
+    <a:masterClrMapping/>
+  </p:clrMapOvr>
+</p:sld>
+</file>
+
+<file path=ppt/slides/slide31.xml><?xml version="1.0" encoding="utf-8"?>
+<p:sld xmlns:a="http://schemas.openxmlformats.org/drawingml/2006/main" xmlns:r="http://schemas.openxmlformats.org/officeDocument/2006/relationships" xmlns:p="http://schemas.openxmlformats.org/presentationml/2006/main">
+  <p:cSld>
+    <p:spTree>
+      <p:nvGrpSpPr>
+        <p:cNvPr id="1" name=""/>
+        <p:cNvGrpSpPr/>
+        <p:nvPr/>
+      </p:nvGrpSpPr>
+      <p:grpSpPr>
+        <a:xfrm>
+          <a:off x="0" y="0"/>
+          <a:ext cx="0" cy="0"/>
+          <a:chOff x="0" y="0"/>
+          <a:chExt cx="0" cy="0"/>
+        </a:xfrm>
+      </p:grpSpPr>
+      <p:sp>
+        <p:nvSpPr>
+          <p:cNvPr id="2" name="標題 1">
+            <a:extLst>
+              <a:ext uri="{FF2B5EF4-FFF2-40B4-BE49-F238E27FC236}">
+                <a16:creationId xmlns:a16="http://schemas.microsoft.com/office/drawing/2014/main" id="{FADF15F1-A3F0-4F98-A20A-CA6EA8276DBB}"/>
+              </a:ext>
+            </a:extLst>
+          </p:cNvPr>
+          <p:cNvSpPr>
+            <a:spLocks noGrp="1"/>
+          </p:cNvSpPr>
+          <p:nvPr>
+            <p:ph type="title"/>
+          </p:nvPr>
+        </p:nvSpPr>
+        <p:spPr/>
+        <p:txBody>
+          <a:bodyPr/>
+          <a:lstStyle/>
+          <a:p>
+            <a:r>
+              <a:rPr lang="en-US" altLang="zh-TW" b="1" dirty="0"/>
+              <a:t>Set up constraints</a:t>
+            </a:r>
+            <a:endParaRPr lang="zh-TW" altLang="en-US" b="1" dirty="0"/>
+          </a:p>
+        </p:txBody>
+      </p:sp>
+      <p:sp>
+        <p:nvSpPr>
+          <p:cNvPr id="3" name="內容版面配置區 2">
+            <a:extLst>
+              <a:ext uri="{FF2B5EF4-FFF2-40B4-BE49-F238E27FC236}">
+                <a16:creationId xmlns:a16="http://schemas.microsoft.com/office/drawing/2014/main" id="{3E0AE1BB-1086-4DEA-B25B-5E6AABFA4545}"/>
+              </a:ext>
+            </a:extLst>
+          </p:cNvPr>
+          <p:cNvSpPr>
+            <a:spLocks noGrp="1"/>
+          </p:cNvSpPr>
+          <p:nvPr>
+            <p:ph idx="1"/>
+          </p:nvPr>
+        </p:nvSpPr>
+        <p:spPr/>
+        <p:txBody>
+          <a:bodyPr/>
+          <a:lstStyle/>
+          <a:p>
+            <a:r>
+              <a:rPr lang="en-US" altLang="zh-TW" dirty="0"/>
+              <a:t>Set up the </a:t>
+            </a:r>
+            <a:r>
+              <a:rPr lang="en-US" altLang="zh-TW" dirty="0" err="1"/>
+              <a:t>arst_n</a:t>
+            </a:r>
+            <a:r>
+              <a:rPr lang="en-US" altLang="zh-TW" dirty="0"/>
+              <a:t> constraints</a:t>
+            </a:r>
+          </a:p>
+          <a:p>
+            <a:endParaRPr lang="en-US" altLang="zh-TW" dirty="0"/>
+          </a:p>
+          <a:p>
+            <a:r>
+              <a:rPr lang="en-US" altLang="zh-TW" dirty="0"/>
+              <a:t>Open synthesis design, and choose I/O planning for set up constraints</a:t>
+            </a:r>
+          </a:p>
+          <a:p>
+            <a:endParaRPr lang="zh-TW" altLang="en-US" dirty="0"/>
+          </a:p>
+        </p:txBody>
+      </p:sp>
+      <p:pic>
+        <p:nvPicPr>
+          <p:cNvPr id="5" name="圖片 4">
+            <a:extLst>
+              <a:ext uri="{FF2B5EF4-FFF2-40B4-BE49-F238E27FC236}">
+                <a16:creationId xmlns:a16="http://schemas.microsoft.com/office/drawing/2014/main" id="{91CA740A-6399-4636-8033-476B5BE24118}"/>
+              </a:ext>
+            </a:extLst>
+          </p:cNvPr>
+          <p:cNvPicPr>
+            <a:picLocks noChangeAspect="1"/>
+          </p:cNvPicPr>
+          <p:nvPr/>
+        </p:nvPicPr>
+        <p:blipFill>
+          <a:blip r:embed="rId2"/>
+          <a:stretch>
+            <a:fillRect/>
+          </a:stretch>
+        </p:blipFill>
+        <p:spPr>
+          <a:xfrm>
+            <a:off x="3357180" y="2375171"/>
+            <a:ext cx="5477639" cy="314369"/>
+          </a:xfrm>
+          <a:prstGeom prst="rect">
+            <a:avLst/>
+          </a:prstGeom>
+        </p:spPr>
+      </p:pic>
+      <p:pic>
+        <p:nvPicPr>
+          <p:cNvPr id="7" name="圖片 6">
+            <a:extLst>
+              <a:ext uri="{FF2B5EF4-FFF2-40B4-BE49-F238E27FC236}">
+                <a16:creationId xmlns:a16="http://schemas.microsoft.com/office/drawing/2014/main" id="{FAAF0C6F-E8EF-469A-B453-15ABD94D48EA}"/>
+              </a:ext>
+            </a:extLst>
+          </p:cNvPr>
+          <p:cNvPicPr>
+            <a:picLocks noChangeAspect="1"/>
+          </p:cNvPicPr>
+          <p:nvPr/>
+        </p:nvPicPr>
+        <p:blipFill>
+          <a:blip r:embed="rId3"/>
+          <a:stretch>
+            <a:fillRect/>
+          </a:stretch>
+        </p:blipFill>
+        <p:spPr>
+          <a:xfrm>
+            <a:off x="2276991" y="3280959"/>
+            <a:ext cx="2524477" cy="2896004"/>
+          </a:xfrm>
+          <a:prstGeom prst="rect">
+            <a:avLst/>
+          </a:prstGeom>
+        </p:spPr>
+      </p:pic>
+      <p:sp>
+        <p:nvSpPr>
+          <p:cNvPr id="9" name="矩形 8">
+            <a:extLst>
+              <a:ext uri="{FF2B5EF4-FFF2-40B4-BE49-F238E27FC236}">
+                <a16:creationId xmlns:a16="http://schemas.microsoft.com/office/drawing/2014/main" id="{0F467A34-AE3F-448A-B47A-12879BC4C29B}"/>
+              </a:ext>
+            </a:extLst>
+          </p:cNvPr>
+          <p:cNvSpPr/>
+          <p:nvPr/>
+        </p:nvSpPr>
+        <p:spPr>
+          <a:xfrm>
+            <a:off x="2467992" y="3834946"/>
+            <a:ext cx="2198701" cy="239904"/>
+          </a:xfrm>
+          <a:prstGeom prst="rect">
+            <a:avLst/>
+          </a:prstGeom>
+          <a:noFill/>
+          <a:ln w="28575">
+            <a:solidFill>
+              <a:srgbClr val="FF0000"/>
+            </a:solidFill>
+          </a:ln>
+        </p:spPr>
+        <p:style>
+          <a:lnRef idx="2">
+            <a:schemeClr val="accent1">
+              <a:shade val="50000"/>
+            </a:schemeClr>
+          </a:lnRef>
+          <a:fillRef idx="1">
+            <a:schemeClr val="accent1"/>
+          </a:fillRef>
+          <a:effectRef idx="0">
+            <a:schemeClr val="accent1"/>
+          </a:effectRef>
+          <a:fontRef idx="minor">
+            <a:schemeClr val="lt1"/>
+          </a:fontRef>
+        </p:style>
+        <p:txBody>
+          <a:bodyPr rtlCol="0" anchor="ctr"/>
+          <a:lstStyle/>
+          <a:p>
+            <a:pPr algn="ctr"/>
+            <a:endParaRPr lang="zh-TW" altLang="en-US" dirty="0"/>
+          </a:p>
+        </p:txBody>
+      </p:sp>
+      <p:pic>
+        <p:nvPicPr>
+          <p:cNvPr id="11" name="圖片 10">
+            <a:extLst>
+              <a:ext uri="{FF2B5EF4-FFF2-40B4-BE49-F238E27FC236}">
+                <a16:creationId xmlns:a16="http://schemas.microsoft.com/office/drawing/2014/main" id="{9EB3244A-C20D-4A5A-B6A9-0A7A5A796108}"/>
+              </a:ext>
+            </a:extLst>
+          </p:cNvPr>
+          <p:cNvPicPr>
+            <a:picLocks noChangeAspect="1"/>
+          </p:cNvPicPr>
+          <p:nvPr/>
+        </p:nvPicPr>
+        <p:blipFill>
+          <a:blip r:embed="rId4"/>
+          <a:stretch>
+            <a:fillRect/>
+          </a:stretch>
+        </p:blipFill>
+        <p:spPr>
+          <a:xfrm>
+            <a:off x="5588607" y="3343868"/>
+            <a:ext cx="4029127" cy="3020412"/>
+          </a:xfrm>
+          <a:prstGeom prst="rect">
+            <a:avLst/>
+          </a:prstGeom>
+        </p:spPr>
+      </p:pic>
+      <p:sp>
+        <p:nvSpPr>
+          <p:cNvPr id="13" name="矩形 12">
+            <a:extLst>
+              <a:ext uri="{FF2B5EF4-FFF2-40B4-BE49-F238E27FC236}">
+                <a16:creationId xmlns:a16="http://schemas.microsoft.com/office/drawing/2014/main" id="{17DA2F20-4B79-4996-BF30-200171E3894C}"/>
+              </a:ext>
+            </a:extLst>
+          </p:cNvPr>
+          <p:cNvSpPr/>
+          <p:nvPr/>
+        </p:nvSpPr>
+        <p:spPr>
+          <a:xfrm>
+            <a:off x="8469298" y="3834946"/>
+            <a:ext cx="1082578" cy="124495"/>
+          </a:xfrm>
+          <a:prstGeom prst="rect">
+            <a:avLst/>
+          </a:prstGeom>
+          <a:noFill/>
+          <a:ln w="28575">
+            <a:solidFill>
+              <a:srgbClr val="FF0000"/>
+            </a:solidFill>
+          </a:ln>
+        </p:spPr>
+        <p:style>
+          <a:lnRef idx="2">
+            <a:schemeClr val="accent1">
+              <a:shade val="50000"/>
+            </a:schemeClr>
+          </a:lnRef>
+          <a:fillRef idx="1">
+            <a:schemeClr val="accent1"/>
+          </a:fillRef>
+          <a:effectRef idx="0">
+            <a:schemeClr val="accent1"/>
+          </a:effectRef>
+          <a:fontRef idx="minor">
+            <a:schemeClr val="lt1"/>
+          </a:fontRef>
+        </p:style>
+        <p:txBody>
+          <a:bodyPr rtlCol="0" anchor="ctr"/>
+          <a:lstStyle/>
+          <a:p>
+            <a:pPr algn="ctr"/>
+            <a:endParaRPr lang="zh-TW" altLang="en-US" dirty="0"/>
+          </a:p>
+        </p:txBody>
+      </p:sp>
+    </p:spTree>
+    <p:extLst>
+      <p:ext uri="{BB962C8B-B14F-4D97-AF65-F5344CB8AC3E}">
+        <p14:creationId xmlns:p14="http://schemas.microsoft.com/office/powerpoint/2010/main" val="4113133536"/>
+      </p:ext>
+    </p:extLst>
+  </p:cSld>
+  <p:clrMapOvr>
+    <a:masterClrMapping/>
+  </p:clrMapOvr>
+</p:sld>
+</file>
+
+<file path=ppt/slides/slide32.xml><?xml version="1.0" encoding="utf-8"?>
+<p:sld xmlns:a="http://schemas.openxmlformats.org/drawingml/2006/main" xmlns:r="http://schemas.openxmlformats.org/officeDocument/2006/relationships" xmlns:p="http://schemas.openxmlformats.org/presentationml/2006/main">
+  <p:cSld>
+    <p:spTree>
+      <p:nvGrpSpPr>
+        <p:cNvPr id="1" name=""/>
+        <p:cNvGrpSpPr/>
+        <p:nvPr/>
+      </p:nvGrpSpPr>
+      <p:grpSpPr>
+        <a:xfrm>
+          <a:off x="0" y="0"/>
+          <a:ext cx="0" cy="0"/>
+          <a:chOff x="0" y="0"/>
+          <a:chExt cx="0" cy="0"/>
+        </a:xfrm>
+      </p:grpSpPr>
+      <p:sp>
+        <p:nvSpPr>
+          <p:cNvPr id="2" name="標題 1">
+            <a:extLst>
+              <a:ext uri="{FF2B5EF4-FFF2-40B4-BE49-F238E27FC236}">
                 <a16:creationId xmlns:a16="http://schemas.microsoft.com/office/drawing/2014/main" id="{7B45CD24-1025-4279-8655-7D9C641905A2}"/>
               </a:ext>
             </a:extLst>
@@ -8189,7 +8548,7 @@
 </p:sld>
 </file>
 
-<file path=ppt/slides/slide31.xml><?xml version="1.0" encoding="utf-8"?>
+<file path=ppt/slides/slide33.xml><?xml version="1.0" encoding="utf-8"?>
 <p:sld xmlns:a="http://schemas.openxmlformats.org/drawingml/2006/main" xmlns:r="http://schemas.openxmlformats.org/officeDocument/2006/relationships" xmlns:p="http://schemas.openxmlformats.org/presentationml/2006/main">
   <p:cSld>
     <p:spTree>
